--- a/NetworkPresentation.pptx
+++ b/NetworkPresentation.pptx
@@ -321,7 +321,7 @@
           <a:p>
             <a:fld id="{A8E499A3-2035-514A-9DFC-7B97BC4B827D}" type="datetimeFigureOut">
               <a:rPr lang="en-US" smtClean="0"/>
-              <a:t>3/25/21</a:t>
+              <a:t>3/27/21</a:t>
             </a:fld>
             <a:endParaRPr lang="en-US"/>
           </a:p>
@@ -632,7 +632,7 @@
           <a:p>
             <a:fld id="{A8E499A3-2035-514A-9DFC-7B97BC4B827D}" type="datetimeFigureOut">
               <a:rPr lang="en-US" smtClean="0"/>
-              <a:t>3/25/21</a:t>
+              <a:t>3/27/21</a:t>
             </a:fld>
             <a:endParaRPr lang="en-US"/>
           </a:p>
@@ -1035,7 +1035,7 @@
           <a:p>
             <a:fld id="{A8E499A3-2035-514A-9DFC-7B97BC4B827D}" type="datetimeFigureOut">
               <a:rPr lang="en-US" smtClean="0"/>
-              <a:t>3/25/21</a:t>
+              <a:t>3/27/21</a:t>
             </a:fld>
             <a:endParaRPr lang="en-US"/>
           </a:p>
@@ -1417,7 +1417,7 @@
           <a:p>
             <a:fld id="{A8E499A3-2035-514A-9DFC-7B97BC4B827D}" type="datetimeFigureOut">
               <a:rPr lang="en-US" smtClean="0"/>
-              <a:t>3/25/21</a:t>
+              <a:t>3/27/21</a:t>
             </a:fld>
             <a:endParaRPr lang="en-US"/>
           </a:p>
@@ -1718,7 +1718,7 @@
           <a:p>
             <a:fld id="{A8E499A3-2035-514A-9DFC-7B97BC4B827D}" type="datetimeFigureOut">
               <a:rPr lang="en-US" smtClean="0"/>
-              <a:t>3/25/21</a:t>
+              <a:t>3/27/21</a:t>
             </a:fld>
             <a:endParaRPr lang="en-US"/>
           </a:p>
@@ -2124,7 +2124,7 @@
           <a:p>
             <a:fld id="{A8E499A3-2035-514A-9DFC-7B97BC4B827D}" type="datetimeFigureOut">
               <a:rPr lang="en-US" smtClean="0"/>
-              <a:t>3/25/21</a:t>
+              <a:t>3/27/21</a:t>
             </a:fld>
             <a:endParaRPr lang="en-US"/>
           </a:p>
@@ -2909,7 +2909,7 @@
           <a:p>
             <a:fld id="{A8E499A3-2035-514A-9DFC-7B97BC4B827D}" type="datetimeFigureOut">
               <a:rPr lang="en-US" smtClean="0"/>
-              <a:t>3/25/21</a:t>
+              <a:t>3/27/21</a:t>
             </a:fld>
             <a:endParaRPr lang="en-US"/>
           </a:p>
@@ -3157,7 +3157,7 @@
           <a:p>
             <a:fld id="{A8E499A3-2035-514A-9DFC-7B97BC4B827D}" type="datetimeFigureOut">
               <a:rPr lang="en-US" smtClean="0"/>
-              <a:t>3/25/21</a:t>
+              <a:t>3/27/21</a:t>
             </a:fld>
             <a:endParaRPr lang="en-US"/>
           </a:p>
@@ -3377,7 +3377,7 @@
           <a:p>
             <a:fld id="{A8E499A3-2035-514A-9DFC-7B97BC4B827D}" type="datetimeFigureOut">
               <a:rPr lang="en-US" smtClean="0"/>
-              <a:t>3/25/21</a:t>
+              <a:t>3/27/21</a:t>
             </a:fld>
             <a:endParaRPr lang="en-US"/>
           </a:p>
@@ -3655,7 +3655,7 @@
           <a:p>
             <a:fld id="{A8E499A3-2035-514A-9DFC-7B97BC4B827D}" type="datetimeFigureOut">
               <a:rPr lang="en-US" smtClean="0"/>
-              <a:t>3/25/21</a:t>
+              <a:t>3/27/21</a:t>
             </a:fld>
             <a:endParaRPr lang="en-US"/>
           </a:p>
@@ -4075,7 +4075,7 @@
           <a:p>
             <a:fld id="{A8E499A3-2035-514A-9DFC-7B97BC4B827D}" type="datetimeFigureOut">
               <a:rPr lang="en-US" smtClean="0"/>
-              <a:t>3/25/21</a:t>
+              <a:t>3/27/21</a:t>
             </a:fld>
             <a:endParaRPr lang="en-US" dirty="0"/>
           </a:p>
@@ -7394,14 +7394,14 @@
           <p:nvPr>
             <p:extLst>
               <p:ext uri="{D42A27DB-BD31-4B8C-83A1-F6EECF244321}">
-                <p14:modId xmlns:p14="http://schemas.microsoft.com/office/powerpoint/2010/main" val="543306655"/>
+                <p14:modId xmlns:p14="http://schemas.microsoft.com/office/powerpoint/2010/main" val="4281949564"/>
               </p:ext>
             </p:extLst>
           </p:nvPr>
         </p:nvGraphicFramePr>
         <p:xfrm>
           <a:off x="7691214" y="1845809"/>
-          <a:ext cx="3520870" cy="4295949"/>
+          <a:ext cx="3520870" cy="3867620"/>
         </p:xfrm>
         <a:graphic>
           <a:graphicData uri="http://schemas.openxmlformats.org/drawingml/2006/table">
@@ -7665,7 +7665,7 @@
                   </a:ext>
                 </a:extLst>
               </a:tr>
-              <a:tr h="190931">
+              <a:tr h="192024">
                 <a:tc>
                   <a:txBody>
                     <a:bodyPr/>
@@ -7745,13 +7745,13 @@
                   </a:ext>
                 </a:extLst>
               </a:tr>
-              <a:tr h="286397">
+              <a:tr h="155448">
                 <a:tc>
                   <a:txBody>
                     <a:bodyPr/>
                     <a:lstStyle/>
                     <a:p>
-                      <a:endParaRPr lang="en-US" sz="1050" dirty="0"/>
+                      <a:endParaRPr lang="en-US" sz="400" dirty="0"/>
                     </a:p>
                   </a:txBody>
                   <a:tcPr anchor="ctr">
@@ -7783,7 +7783,7 @@
                     <a:bodyPr/>
                     <a:lstStyle/>
                     <a:p>
-                      <a:endParaRPr lang="en-US" sz="1200" dirty="0"/>
+                      <a:endParaRPr lang="en-US" sz="400" dirty="0"/>
                     </a:p>
                   </a:txBody>
                   <a:tcPr anchor="ctr">
@@ -8102,7 +8102,7 @@
                     <a:p>
                       <a:r>
                         <a:rPr lang="en-US" sz="1100" dirty="0"/>
-                        <a:t>ML-RefVM-684427</a:t>
+                        <a:t>ML-RefVm-684427</a:t>
                       </a:r>
                     </a:p>
                   </a:txBody>
@@ -8136,13 +8136,13 @@
                   </a:ext>
                 </a:extLst>
               </a:tr>
-              <a:tr h="190931">
+              <a:tr h="91440">
                 <a:tc>
                   <a:txBody>
                     <a:bodyPr/>
                     <a:lstStyle/>
                     <a:p>
-                      <a:endParaRPr lang="en-US" sz="1100" b="0" i="1" dirty="0">
+                      <a:endParaRPr lang="en-US" sz="400" b="0" i="1" dirty="0">
                         <a:latin typeface="Roboto" panose="02000000000000000000" pitchFamily="2" charset="0"/>
                         <a:ea typeface="Roboto" panose="02000000000000000000" pitchFamily="2" charset="0"/>
                       </a:endParaRPr>
@@ -8177,7 +8177,7 @@
                     <a:bodyPr/>
                     <a:lstStyle/>
                     <a:p>
-                      <a:endParaRPr lang="en-US" sz="1100" dirty="0"/>
+                      <a:endParaRPr lang="en-US" sz="400" dirty="0"/>
                     </a:p>
                   </a:txBody>
                   <a:tcPr marT="0" marB="0" anchor="ctr">
@@ -8256,7 +8256,7 @@
                     <a:p>
                       <a:r>
                         <a:rPr lang="en-US" sz="1100" dirty="0"/>
-                        <a:t>192.168.1.90</a:t>
+                        <a:t>192.168.1.100</a:t>
                       </a:r>
                     </a:p>
                   </a:txBody>
@@ -8336,7 +8336,7 @@
                     <a:p>
                       <a:r>
                         <a:rPr lang="en-US" sz="1100" dirty="0"/>
-                        <a:t>Kali Linux</a:t>
+                        <a:t>Ubuntu Linux</a:t>
                       </a:r>
                     </a:p>
                   </a:txBody>
@@ -8416,7 +8416,7 @@
                     <a:p>
                       <a:r>
                         <a:rPr lang="en-US" sz="1100" dirty="0"/>
-                        <a:t>Kali</a:t>
+                        <a:t>ELK</a:t>
                       </a:r>
                     </a:p>
                   </a:txBody>
@@ -8450,13 +8450,13 @@
                   </a:ext>
                 </a:extLst>
               </a:tr>
-              <a:tr h="190931">
+              <a:tr h="91440">
                 <a:tc>
                   <a:txBody>
                     <a:bodyPr/>
                     <a:lstStyle/>
                     <a:p>
-                      <a:endParaRPr lang="en-US" sz="1100" b="0" i="1" dirty="0">
+                      <a:endParaRPr lang="en-US" sz="400" b="0" i="1" dirty="0">
                         <a:latin typeface="Roboto" panose="02000000000000000000" pitchFamily="2" charset="0"/>
                         <a:ea typeface="Roboto" panose="02000000000000000000" pitchFamily="2" charset="0"/>
                       </a:endParaRPr>
@@ -8491,7 +8491,7 @@
                     <a:bodyPr/>
                     <a:lstStyle/>
                     <a:p>
-                      <a:endParaRPr lang="en-US" sz="1100" dirty="0"/>
+                      <a:endParaRPr lang="en-US" sz="400" dirty="0"/>
                     </a:p>
                   </a:txBody>
                   <a:tcPr marT="0" marB="0" anchor="ctr">
@@ -8570,7 +8570,7 @@
                     <a:p>
                       <a:r>
                         <a:rPr lang="en-US" sz="1100" dirty="0"/>
-                        <a:t>192.168.1.100</a:t>
+                        <a:t>192.168.1.110</a:t>
                       </a:r>
                     </a:p>
                   </a:txBody>
@@ -8650,7 +8650,7 @@
                     <a:p>
                       <a:r>
                         <a:rPr lang="en-US" sz="1100" dirty="0"/>
-                        <a:t>Ubuntu Linux</a:t>
+                        <a:t>Debian Linux</a:t>
                       </a:r>
                     </a:p>
                   </a:txBody>
@@ -8730,7 +8730,7 @@
                     <a:p>
                       <a:r>
                         <a:rPr lang="en-US" sz="1100" dirty="0"/>
-                        <a:t>ELK</a:t>
+                        <a:t>TARGET1</a:t>
                       </a:r>
                     </a:p>
                   </a:txBody>
@@ -8764,13 +8764,13 @@
                   </a:ext>
                 </a:extLst>
               </a:tr>
-              <a:tr h="190931">
+              <a:tr h="91440">
                 <a:tc>
                   <a:txBody>
                     <a:bodyPr/>
                     <a:lstStyle/>
                     <a:p>
-                      <a:endParaRPr lang="en-US" sz="1100" b="0" i="1" dirty="0">
+                      <a:endParaRPr lang="en-US" sz="400" b="0" i="1" dirty="0">
                         <a:latin typeface="Roboto" panose="02000000000000000000" pitchFamily="2" charset="0"/>
                         <a:ea typeface="Roboto" panose="02000000000000000000" pitchFamily="2" charset="0"/>
                       </a:endParaRPr>
@@ -8805,7 +8805,7 @@
                     <a:bodyPr/>
                     <a:lstStyle/>
                     <a:p>
-                      <a:endParaRPr lang="en-US" sz="1100" dirty="0"/>
+                      <a:endParaRPr lang="en-US" sz="400" dirty="0"/>
                     </a:p>
                   </a:txBody>
                   <a:tcPr marT="0" marB="0" anchor="ctr">
@@ -8884,7 +8884,7 @@
                     <a:p>
                       <a:r>
                         <a:rPr lang="en-US" sz="1100" dirty="0"/>
-                        <a:t>192.168.1.105</a:t>
+                        <a:t>192.168.1.115</a:t>
                       </a:r>
                     </a:p>
                   </a:txBody>
@@ -8964,7 +8964,7 @@
                     <a:p>
                       <a:r>
                         <a:rPr lang="en-US" sz="1100" dirty="0"/>
-                        <a:t>Ubuntu Linux</a:t>
+                        <a:t>Debian Linux</a:t>
                       </a:r>
                     </a:p>
                   </a:txBody>
@@ -9044,7 +9044,7 @@
                     <a:p>
                       <a:r>
                         <a:rPr lang="en-US" sz="1100" dirty="0"/>
-                        <a:t>server1</a:t>
+                        <a:t>TARGET2</a:t>
                       </a:r>
                     </a:p>
                   </a:txBody>
